--- a/AGILE.pptx
+++ b/AGILE.pptx
@@ -20,7 +20,6 @@
     <p:sldId id="275" r:id="rId14"/>
     <p:sldId id="277" r:id="rId15"/>
     <p:sldId id="278" r:id="rId16"/>
-    <p:sldId id="279" r:id="rId17"/>
   </p:sldIdLst>
   <p:sldSz cx="12192000" cy="6858000"/>
   <p:notesSz cx="6858000" cy="9144000"/>
@@ -28468,7 +28467,7 @@
           <a:p>
             <a:fld id="{655A5808-3B61-48CC-92EF-85AC2E0DFA56}" type="datetime2">
               <a:rPr lang="en-US" smtClean="0"/>
-              <a:t>Tuesday, March 1, 2022</a:t>
+              <a:t>Tuesday, March 15, 2022</a:t>
             </a:fld>
             <a:endParaRPr lang="en-US"/>
           </a:p>
@@ -28666,7 +28665,7 @@
           <a:p>
             <a:fld id="{735E98AF-4574-4509-BF7A-519ACD5BF826}" type="datetime2">
               <a:rPr lang="en-US" smtClean="0"/>
-              <a:t>Tuesday, March 1, 2022</a:t>
+              <a:t>Tuesday, March 15, 2022</a:t>
             </a:fld>
             <a:endParaRPr lang="en-US"/>
           </a:p>
@@ -28876,7 +28875,7 @@
           <a:p>
             <a:fld id="{93DD97D4-9636-490F-85D0-E926C2B6F3B1}" type="datetime2">
               <a:rPr lang="en-US" smtClean="0"/>
-              <a:t>Tuesday, March 1, 2022</a:t>
+              <a:t>Tuesday, March 15, 2022</a:t>
             </a:fld>
             <a:endParaRPr lang="en-US"/>
           </a:p>
@@ -29075,7 +29074,7 @@
           <a:p>
             <a:fld id="{2F3AF3C6-0FD4-4939-991C-00DDE5C56815}" type="datetime2">
               <a:rPr lang="en-US" smtClean="0"/>
-              <a:t>Tuesday, March 1, 2022</a:t>
+              <a:t>Tuesday, March 15, 2022</a:t>
             </a:fld>
             <a:endParaRPr lang="en-US"/>
           </a:p>
@@ -29356,7 +29355,7 @@
           <a:p>
             <a:fld id="{86807482-8128-47C6-A8DD-6452B0291CFF}" type="datetime2">
               <a:rPr lang="en-US" smtClean="0"/>
-              <a:t>Tuesday, March 1, 2022</a:t>
+              <a:t>Tuesday, March 15, 2022</a:t>
             </a:fld>
             <a:endParaRPr lang="en-US"/>
           </a:p>
@@ -29624,7 +29623,7 @@
           <a:p>
             <a:fld id="{37903F25-275E-41DE-BE3B-EBF0DB49F9B1}" type="datetime2">
               <a:rPr lang="en-US" smtClean="0"/>
-              <a:t>Tuesday, March 1, 2022</a:t>
+              <a:t>Tuesday, March 15, 2022</a:t>
             </a:fld>
             <a:endParaRPr lang="en-US"/>
           </a:p>
@@ -30005,7 +30004,7 @@
           <a:p>
             <a:fld id="{EE475572-4A44-4171-84AA-64D42C8050A6}" type="datetime2">
               <a:rPr lang="en-US" smtClean="0"/>
-              <a:t>Tuesday, March 1, 2022</a:t>
+              <a:t>Tuesday, March 15, 2022</a:t>
             </a:fld>
             <a:endParaRPr lang="en-US"/>
           </a:p>
@@ -30175,7 +30174,7 @@
           <a:p>
             <a:fld id="{C4C1612E-528E-4FD5-9E9E-E15F1108F171}" type="datetime2">
               <a:rPr lang="en-US" smtClean="0"/>
-              <a:t>Tuesday, March 1, 2022</a:t>
+              <a:t>Tuesday, March 15, 2022</a:t>
             </a:fld>
             <a:endParaRPr lang="en-US"/>
           </a:p>
@@ -30288,7 +30287,7 @@
           <a:p>
             <a:fld id="{D4F6D862-A06D-436F-A92E-EBAAD50B6E50}" type="datetime2">
               <a:rPr lang="en-US" smtClean="0"/>
-              <a:t>Tuesday, March 1, 2022</a:t>
+              <a:t>Tuesday, March 15, 2022</a:t>
             </a:fld>
             <a:endParaRPr lang="en-US"/>
           </a:p>
@@ -30605,7 +30604,7 @@
           <a:p>
             <a:fld id="{B73E0B7D-2260-4809-8F0A-9E5F3E24F169}" type="datetime2">
               <a:rPr lang="en-US" smtClean="0"/>
-              <a:t>Tuesday, March 1, 2022</a:t>
+              <a:t>Tuesday, March 15, 2022</a:t>
             </a:fld>
             <a:endParaRPr lang="en-US"/>
           </a:p>
@@ -30897,7 +30896,7 @@
           <a:p>
             <a:fld id="{3C8E4735-C637-46A3-94EB-AB3AC4188D2F}" type="datetime2">
               <a:rPr lang="en-US" smtClean="0"/>
-              <a:t>Tuesday, March 1, 2022</a:t>
+              <a:t>Tuesday, March 15, 2022</a:t>
             </a:fld>
             <a:endParaRPr lang="en-US"/>
           </a:p>
@@ -31265,7 +31264,7 @@
             <a:fld id="{AE0C963C-C1DB-4AFD-9DDC-0691666BF49B}" type="datetime2">
               <a:rPr lang="en-US" smtClean="0"/>
               <a:pPr/>
-              <a:t>Tuesday, March 1, 2022</a:t>
+              <a:t>Tuesday, March 15, 2022</a:t>
             </a:fld>
             <a:endParaRPr lang="en-US" cap="all" dirty="0"/>
           </a:p>
@@ -34197,7 +34196,9 @@
         </p:nvSpPr>
         <p:spPr/>
         <p:txBody>
-          <a:bodyPr/>
+          <a:bodyPr>
+            <a:normAutofit lnSpcReduction="10000"/>
+          </a:bodyPr>
           <a:lstStyle/>
           <a:p>
             <a:r>
@@ -34239,6 +34240,12 @@
             <a:r>
               <a:rPr lang="en-US" dirty="0"/>
               <a:t>As a user I should have nutrition information about each recipes.</a:t>
+            </a:r>
+          </a:p>
+          <a:p>
+            <a:r>
+              <a:rPr lang="en-US" dirty="0"/>
+              <a:t>As a user I should be able to browse home page and about page.</a:t>
             </a:r>
           </a:p>
           <a:p>
@@ -34330,14 +34337,14 @@
           <p:nvPr>
             <p:extLst>
               <p:ext uri="{D42A27DB-BD31-4B8C-83A1-F6EECF244321}">
-                <p14:modId xmlns:p14="http://schemas.microsoft.com/office/powerpoint/2010/main" val="1178684310"/>
+                <p14:modId xmlns:p14="http://schemas.microsoft.com/office/powerpoint/2010/main" val="4268932733"/>
               </p:ext>
             </p:extLst>
           </p:nvPr>
         </p:nvGraphicFramePr>
         <p:xfrm>
-          <a:off x="661773" y="1339915"/>
-          <a:ext cx="10868453" cy="4754880"/>
+          <a:off x="427857" y="1350547"/>
+          <a:ext cx="11185022" cy="4541520"/>
         </p:xfrm>
         <a:graphic>
           <a:graphicData uri="http://schemas.openxmlformats.org/drawingml/2006/table">
@@ -34346,42 +34353,42 @@
                 <a:tableStyleId>{5C22544A-7EE6-4342-B048-85BDC9FD1C3A}</a:tableStyleId>
               </a:tblPr>
               <a:tblGrid>
-                <a:gridCol w="1267254">
+                <a:gridCol w="1304165">
                   <a:extLst>
                     <a:ext uri="{9D8B030D-6E8A-4147-A177-3AD203B41FA5}">
                       <a16:colId xmlns:a16="http://schemas.microsoft.com/office/drawing/2014/main" val="2756908718"/>
                     </a:ext>
                   </a:extLst>
                 </a:gridCol>
-                <a:gridCol w="2100649">
+                <a:gridCol w="2161835">
                   <a:extLst>
                     <a:ext uri="{9D8B030D-6E8A-4147-A177-3AD203B41FA5}">
                       <a16:colId xmlns:a16="http://schemas.microsoft.com/office/drawing/2014/main" val="800591632"/>
                     </a:ext>
                   </a:extLst>
                 </a:gridCol>
-                <a:gridCol w="4003589">
+                <a:gridCol w="4120203">
                   <a:extLst>
                     <a:ext uri="{9D8B030D-6E8A-4147-A177-3AD203B41FA5}">
                       <a16:colId xmlns:a16="http://schemas.microsoft.com/office/drawing/2014/main" val="329431460"/>
                     </a:ext>
                   </a:extLst>
                 </a:gridCol>
-                <a:gridCol w="1099751">
+                <a:gridCol w="1131784">
                   <a:extLst>
                     <a:ext uri="{9D8B030D-6E8A-4147-A177-3AD203B41FA5}">
                       <a16:colId xmlns:a16="http://schemas.microsoft.com/office/drawing/2014/main" val="65461561"/>
                     </a:ext>
                   </a:extLst>
                 </a:gridCol>
-                <a:gridCol w="1519881">
+                <a:gridCol w="1359123">
                   <a:extLst>
                     <a:ext uri="{9D8B030D-6E8A-4147-A177-3AD203B41FA5}">
                       <a16:colId xmlns:a16="http://schemas.microsoft.com/office/drawing/2014/main" val="2904131880"/>
                     </a:ext>
                   </a:extLst>
                 </a:gridCol>
-                <a:gridCol w="877329">
+                <a:gridCol w="1107912">
                   <a:extLst>
                     <a:ext uri="{9D8B030D-6E8A-4147-A177-3AD203B41FA5}">
                       <a16:colId xmlns:a16="http://schemas.microsoft.com/office/drawing/2014/main" val="3837640194"/>
@@ -34574,7 +34581,7 @@
                       </a:pPr>
                       <a:r>
                         <a:rPr lang="en-US" sz="1400" dirty="0"/>
-                        <a:t>WIP</a:t>
+                        <a:t>Done</a:t>
                       </a:r>
                     </a:p>
                   </a:txBody>
@@ -35210,7 +35217,7 @@
         <p:spPr>
           <a:xfrm>
             <a:off x="975360" y="-24714"/>
-            <a:ext cx="10241280" cy="1234440"/>
+            <a:ext cx="9945485" cy="710514"/>
           </a:xfrm>
         </p:spPr>
         <p:txBody>
@@ -35239,14 +35246,14 @@
           <p:nvPr>
             <p:extLst>
               <p:ext uri="{D42A27DB-BD31-4B8C-83A1-F6EECF244321}">
-                <p14:modId xmlns:p14="http://schemas.microsoft.com/office/powerpoint/2010/main" val="1449434985"/>
+                <p14:modId xmlns:p14="http://schemas.microsoft.com/office/powerpoint/2010/main" val="3467913795"/>
               </p:ext>
             </p:extLst>
           </p:nvPr>
         </p:nvGraphicFramePr>
         <p:xfrm>
-          <a:off x="241663" y="1209726"/>
-          <a:ext cx="11707321" cy="4964651"/>
+          <a:off x="204353" y="685800"/>
+          <a:ext cx="11786756" cy="5403275"/>
         </p:xfrm>
         <a:graphic>
           <a:graphicData uri="http://schemas.openxmlformats.org/drawingml/2006/table">
@@ -35255,35 +35262,35 @@
                 <a:tableStyleId>{5C22544A-7EE6-4342-B048-85BDC9FD1C3A}</a:tableStyleId>
               </a:tblPr>
               <a:tblGrid>
-                <a:gridCol w="6888186">
+                <a:gridCol w="6934925">
                   <a:extLst>
                     <a:ext uri="{9D8B030D-6E8A-4147-A177-3AD203B41FA5}">
                       <a16:colId xmlns:a16="http://schemas.microsoft.com/office/drawing/2014/main" val="4021852746"/>
                     </a:ext>
                   </a:extLst>
                 </a:gridCol>
-                <a:gridCol w="1519881">
+                <a:gridCol w="1530193">
                   <a:extLst>
                     <a:ext uri="{9D8B030D-6E8A-4147-A177-3AD203B41FA5}">
                       <a16:colId xmlns:a16="http://schemas.microsoft.com/office/drawing/2014/main" val="3583806818"/>
                     </a:ext>
                   </a:extLst>
                 </a:gridCol>
-                <a:gridCol w="1334529">
+                <a:gridCol w="1343583">
                   <a:extLst>
                     <a:ext uri="{9D8B030D-6E8A-4147-A177-3AD203B41FA5}">
                       <a16:colId xmlns:a16="http://schemas.microsoft.com/office/drawing/2014/main" val="3682847957"/>
                     </a:ext>
                   </a:extLst>
                 </a:gridCol>
-                <a:gridCol w="1099752">
+                <a:gridCol w="1107214">
                   <a:extLst>
                     <a:ext uri="{9D8B030D-6E8A-4147-A177-3AD203B41FA5}">
                       <a16:colId xmlns:a16="http://schemas.microsoft.com/office/drawing/2014/main" val="3318353240"/>
                     </a:ext>
                   </a:extLst>
                 </a:gridCol>
-                <a:gridCol w="864973">
+                <a:gridCol w="870841">
                   <a:extLst>
                     <a:ext uri="{9D8B030D-6E8A-4147-A177-3AD203B41FA5}">
                       <a16:colId xmlns:a16="http://schemas.microsoft.com/office/drawing/2014/main" val="818882312"/>
@@ -35291,14 +35298,14 @@
                   </a:extLst>
                 </a:gridCol>
               </a:tblGrid>
-              <a:tr h="370840">
+              <a:tr h="375052">
                 <a:tc>
                   <a:txBody>
                     <a:bodyPr/>
                     <a:lstStyle/>
                     <a:p>
                       <a:r>
-                        <a:rPr lang="en-US" sz="1200" dirty="0"/>
+                        <a:rPr lang="en-US" sz="800" dirty="0"/>
                         <a:t>User Story</a:t>
                       </a:r>
                     </a:p>
@@ -35311,7 +35318,7 @@
                     <a:lstStyle/>
                     <a:p>
                       <a:r>
-                        <a:rPr lang="en-US" sz="1200" dirty="0"/>
+                        <a:rPr lang="en-US" sz="800" dirty="0"/>
                         <a:t>Tasks</a:t>
                       </a:r>
                     </a:p>
@@ -35324,14 +35331,14 @@
                     <a:lstStyle/>
                     <a:p>
                       <a:r>
-                        <a:rPr lang="en-US" sz="1200" dirty="0"/>
+                        <a:rPr lang="en-US" sz="800" dirty="0"/>
                         <a:t>Owner/</a:t>
                       </a:r>
                       <a:r>
-                        <a:rPr lang="en-US" sz="1200" dirty="0" err="1"/>
+                        <a:rPr lang="en-US" sz="800" dirty="0" err="1"/>
                         <a:t>Asignee</a:t>
                       </a:r>
-                      <a:endParaRPr lang="en-US" sz="1200" dirty="0"/>
+                      <a:endParaRPr lang="en-US" sz="800" dirty="0"/>
                     </a:p>
                   </a:txBody>
                   <a:tcPr/>
@@ -35342,15 +35349,15 @@
                     <a:lstStyle/>
                     <a:p>
                       <a:r>
-                        <a:rPr lang="en-US" sz="1200" dirty="0"/>
+                        <a:rPr lang="en-US" sz="800" dirty="0"/>
                         <a:t>Estimated effort (</a:t>
                       </a:r>
                       <a:r>
-                        <a:rPr lang="en-US" sz="1200" dirty="0" err="1"/>
+                        <a:rPr lang="en-US" sz="800" dirty="0" err="1"/>
                         <a:t>hr</a:t>
                       </a:r>
                       <a:r>
-                        <a:rPr lang="en-US" sz="1200" dirty="0"/>
+                        <a:rPr lang="en-US" sz="800" dirty="0"/>
                         <a:t>)</a:t>
                       </a:r>
                     </a:p>
@@ -35363,7 +35370,7 @@
                     <a:lstStyle/>
                     <a:p>
                       <a:r>
-                        <a:rPr lang="en-US" sz="1200" dirty="0"/>
+                        <a:rPr lang="en-US" sz="800" dirty="0"/>
                         <a:t>Status</a:t>
                       </a:r>
                     </a:p>
@@ -35376,7 +35383,7 @@
                   </a:ext>
                 </a:extLst>
               </a:tr>
-              <a:tr h="411136">
+              <a:tr h="1121502">
                 <a:tc>
                   <a:txBody>
                     <a:bodyPr/>
@@ -35400,7 +35407,7 @@
                         <a:defRPr/>
                       </a:pPr>
                       <a:r>
-                        <a:rPr lang="en-US" sz="1200" dirty="0"/>
+                        <a:rPr lang="en-US" sz="800" dirty="0"/>
                         <a:t>As a seller I must Set up the structure of the website so that we can start working on the details for the website.</a:t>
                       </a:r>
                     </a:p>
@@ -35416,7 +35423,7 @@
                         <a:buAutoNum type="arabicPeriod"/>
                       </a:pPr>
                       <a:r>
-                        <a:rPr lang="en-US" sz="800" dirty="0"/>
+                        <a:rPr lang="en-US" sz="600" dirty="0"/>
                         <a:t>Design the Basic UI of the home page</a:t>
                       </a:r>
                     </a:p>
@@ -35425,7 +35432,7 @@
                         <a:buAutoNum type="arabicPeriod"/>
                       </a:pPr>
                       <a:r>
-                        <a:rPr lang="en-US" sz="800" dirty="0"/>
+                        <a:rPr lang="en-US" sz="600" dirty="0"/>
                         <a:t>Setup Version Control(GIT)</a:t>
                       </a:r>
                     </a:p>
@@ -35434,7 +35441,7 @@
                         <a:buAutoNum type="arabicPeriod"/>
                       </a:pPr>
                       <a:r>
-                        <a:rPr lang="en-US" sz="800" dirty="0"/>
+                        <a:rPr lang="en-US" sz="600" dirty="0"/>
                         <a:t>Connection testing/Database Drafting/ Sampling ingredients</a:t>
                       </a:r>
                     </a:p>
@@ -35443,8 +35450,8 @@
                         <a:buAutoNum type="arabicPeriod"/>
                       </a:pPr>
                       <a:r>
-                        <a:rPr lang="en-US" sz="800" dirty="0"/>
-                        <a:t>Setup the server</a:t>
+                        <a:rPr lang="en-US" sz="600" dirty="0"/>
+                        <a:t>Setup the server and connect the front end to back end.</a:t>
                       </a:r>
                     </a:p>
                   </a:txBody>
@@ -35459,7 +35466,7 @@
                         <a:buAutoNum type="arabicPeriod"/>
                       </a:pPr>
                       <a:r>
-                        <a:rPr lang="en-US" sz="800" dirty="0"/>
+                        <a:rPr lang="en-US" sz="600" dirty="0"/>
                         <a:t>Developer-1</a:t>
                       </a:r>
                     </a:p>
@@ -35467,14 +35474,14 @@
                       <a:pPr marL="342900" indent="-342900">
                         <a:buAutoNum type="arabicPeriod"/>
                       </a:pPr>
-                      <a:endParaRPr lang="en-US" sz="800" dirty="0"/>
+                      <a:endParaRPr lang="en-US" sz="600" dirty="0"/>
                     </a:p>
                     <a:p>
                       <a:pPr marL="342900" indent="-342900">
                         <a:buAutoNum type="arabicPeriod"/>
                       </a:pPr>
                       <a:r>
-                        <a:rPr lang="en-US" sz="800" dirty="0"/>
+                        <a:rPr lang="en-US" sz="600" dirty="0"/>
                         <a:t>Developer-2(PO)</a:t>
                       </a:r>
                     </a:p>
@@ -35482,14 +35489,14 @@
                       <a:pPr marL="342900" indent="-342900">
                         <a:buAutoNum type="arabicPeriod"/>
                       </a:pPr>
-                      <a:endParaRPr lang="en-US" sz="800" dirty="0"/>
+                      <a:endParaRPr lang="en-US" sz="600" dirty="0"/>
                     </a:p>
                     <a:p>
                       <a:pPr marL="342900" indent="-342900">
                         <a:buAutoNum type="arabicPeriod"/>
                       </a:pPr>
                       <a:r>
-                        <a:rPr lang="en-US" sz="800" dirty="0"/>
+                        <a:rPr lang="en-US" sz="600" dirty="0"/>
                         <a:t>Developer-3(SM)</a:t>
                       </a:r>
                     </a:p>
@@ -35497,26 +35504,26 @@
                       <a:pPr marL="342900" indent="-342900">
                         <a:buAutoNum type="arabicPeriod"/>
                       </a:pPr>
-                      <a:endParaRPr lang="en-US" sz="800" dirty="0"/>
+                      <a:endParaRPr lang="en-US" sz="600" dirty="0"/>
                     </a:p>
                     <a:p>
                       <a:pPr marL="342900" indent="-342900">
                         <a:buAutoNum type="arabicPeriod"/>
                       </a:pPr>
-                      <a:endParaRPr lang="en-US" sz="800" dirty="0"/>
+                      <a:endParaRPr lang="en-US" sz="600" dirty="0"/>
                     </a:p>
                     <a:p>
                       <a:pPr marL="342900" indent="-342900">
                         <a:buAutoNum type="arabicPeriod"/>
                       </a:pPr>
-                      <a:endParaRPr lang="en-US" sz="800" dirty="0"/>
+                      <a:endParaRPr lang="en-US" sz="600" dirty="0"/>
                     </a:p>
                     <a:p>
                       <a:pPr marL="342900" indent="-342900">
                         <a:buAutoNum type="arabicPeriod"/>
                       </a:pPr>
                       <a:r>
-                        <a:rPr lang="en-US" sz="800" dirty="0"/>
+                        <a:rPr lang="en-US" sz="600" dirty="0"/>
                         <a:t>Developer-4</a:t>
                       </a:r>
                     </a:p>
@@ -35529,40 +35536,40 @@
                     <a:lstStyle/>
                     <a:p>
                       <a:r>
-                        <a:rPr lang="en-US" sz="800" dirty="0"/>
+                        <a:rPr lang="en-US" sz="600" dirty="0"/>
                         <a:t>10</a:t>
                       </a:r>
                     </a:p>
                     <a:p>
-                      <a:endParaRPr lang="en-US" sz="800" dirty="0"/>
+                      <a:endParaRPr lang="en-US" sz="600" dirty="0"/>
                     </a:p>
                     <a:p>
                       <a:r>
-                        <a:rPr lang="en-US" sz="800" dirty="0"/>
+                        <a:rPr lang="en-US" sz="600" dirty="0"/>
                         <a:t>0.5</a:t>
                       </a:r>
                     </a:p>
                     <a:p>
-                      <a:endParaRPr lang="en-US" sz="800" dirty="0"/>
+                      <a:endParaRPr lang="en-US" sz="600" dirty="0"/>
                     </a:p>
                     <a:p>
                       <a:r>
-                        <a:rPr lang="en-US" sz="800" dirty="0"/>
+                        <a:rPr lang="en-US" sz="600" dirty="0"/>
                         <a:t>2</a:t>
                       </a:r>
                     </a:p>
                     <a:p>
-                      <a:endParaRPr lang="en-US" sz="800" dirty="0"/>
+                      <a:endParaRPr lang="en-US" sz="600" dirty="0"/>
                     </a:p>
                     <a:p>
-                      <a:endParaRPr lang="en-US" sz="800" dirty="0"/>
+                      <a:endParaRPr lang="en-US" sz="600" dirty="0"/>
                     </a:p>
                     <a:p>
-                      <a:endParaRPr lang="en-US" sz="800" dirty="0"/>
+                      <a:endParaRPr lang="en-US" sz="600" dirty="0"/>
                     </a:p>
                     <a:p>
                       <a:r>
-                        <a:rPr lang="en-US" sz="800" dirty="0"/>
+                        <a:rPr lang="en-US" sz="600" dirty="0"/>
                         <a:t>10</a:t>
                       </a:r>
                     </a:p>
@@ -35575,45 +35582,45 @@
                     <a:lstStyle/>
                     <a:p>
                       <a:r>
-                        <a:rPr lang="en-US" sz="800" dirty="0"/>
+                        <a:rPr lang="en-US" sz="600" dirty="0"/>
                         <a:t>Done</a:t>
                       </a:r>
                     </a:p>
                     <a:p>
-                      <a:endParaRPr lang="en-US" sz="800" dirty="0"/>
+                      <a:endParaRPr lang="en-US" sz="600" dirty="0"/>
                     </a:p>
                     <a:p>
                       <a:r>
-                        <a:rPr lang="en-US" sz="800" dirty="0"/>
+                        <a:rPr lang="en-US" sz="600" dirty="0"/>
                         <a:t>Done</a:t>
                       </a:r>
                     </a:p>
                     <a:p>
-                      <a:endParaRPr lang="en-US" sz="800" dirty="0"/>
+                      <a:endParaRPr lang="en-US" sz="600" dirty="0"/>
                     </a:p>
                     <a:p>
                       <a:r>
-                        <a:rPr lang="en-US" sz="800" dirty="0"/>
+                        <a:rPr lang="en-US" sz="600" dirty="0"/>
                         <a:t>Done</a:t>
                       </a:r>
                     </a:p>
                     <a:p>
-                      <a:endParaRPr lang="en-US" sz="800" dirty="0"/>
+                      <a:endParaRPr lang="en-US" sz="600" dirty="0"/>
                     </a:p>
                     <a:p>
-                      <a:endParaRPr lang="en-US" sz="800" dirty="0"/>
+                      <a:endParaRPr lang="en-US" sz="600" dirty="0"/>
                     </a:p>
                     <a:p>
-                      <a:endParaRPr lang="en-US" sz="800" dirty="0"/>
+                      <a:endParaRPr lang="en-US" sz="600" dirty="0"/>
                     </a:p>
                     <a:p>
                       <a:r>
-                        <a:rPr lang="en-US" sz="800" dirty="0"/>
+                        <a:rPr lang="en-US" sz="600" dirty="0"/>
                         <a:t>WIP</a:t>
                       </a:r>
                     </a:p>
                     <a:p>
-                      <a:endParaRPr lang="en-US" sz="800" dirty="0"/>
+                      <a:endParaRPr lang="en-US" sz="600" dirty="0"/>
                     </a:p>
                   </a:txBody>
                   <a:tcPr/>
@@ -35624,7 +35631,7 @@
                   </a:ext>
                 </a:extLst>
               </a:tr>
-              <a:tr h="223276">
+              <a:tr h="407819">
                 <a:tc>
                   <a:txBody>
                     <a:bodyPr/>
@@ -35648,7 +35655,7 @@
                         <a:defRPr/>
                       </a:pPr>
                       <a:r>
-                        <a:rPr lang="en-US" sz="1200" dirty="0"/>
+                        <a:rPr lang="en-US" sz="800" dirty="0"/>
                         <a:t>As a user I must Find quick and easy recipe so that I can decide on what to eat.</a:t>
                       </a:r>
                     </a:p>
@@ -35664,7 +35671,7 @@
                         <a:buAutoNum type="arabicPeriod"/>
                       </a:pPr>
                       <a:r>
-                        <a:rPr lang="en-US" sz="800" dirty="0"/>
+                        <a:rPr lang="en-US" sz="600" dirty="0"/>
                         <a:t>Content for the recipe page</a:t>
                       </a:r>
                     </a:p>
@@ -35672,8 +35679,14 @@
                       <a:pPr marL="342900" indent="-342900">
                         <a:buAutoNum type="arabicPeriod"/>
                       </a:pPr>
+                      <a:endParaRPr lang="en-US" sz="600" dirty="0"/>
+                    </a:p>
+                    <a:p>
+                      <a:pPr marL="342900" indent="-342900">
+                        <a:buAutoNum type="arabicPeriod"/>
+                      </a:pPr>
                       <a:r>
-                        <a:rPr lang="en-US" sz="800" dirty="0"/>
+                        <a:rPr lang="en-US" sz="600" dirty="0"/>
                         <a:t>Basic Interaction with the UI</a:t>
                       </a:r>
                     </a:p>
@@ -35689,7 +35702,7 @@
                         <a:buAutoNum type="arabicPeriod"/>
                       </a:pPr>
                       <a:r>
-                        <a:rPr lang="en-US" sz="800" dirty="0"/>
+                        <a:rPr lang="en-US" sz="600" dirty="0"/>
                         <a:t>Developer -2(PO)</a:t>
                       </a:r>
                     </a:p>
@@ -35697,14 +35710,14 @@
                       <a:pPr marL="228600" indent="-228600">
                         <a:buAutoNum type="arabicPeriod"/>
                       </a:pPr>
-                      <a:endParaRPr lang="en-US" sz="800" dirty="0"/>
+                      <a:endParaRPr lang="en-US" sz="600" dirty="0"/>
                     </a:p>
                     <a:p>
                       <a:pPr marL="228600" indent="-228600">
                         <a:buAutoNum type="arabicPeriod"/>
                       </a:pPr>
                       <a:r>
-                        <a:rPr lang="en-US" sz="800" dirty="0"/>
+                        <a:rPr lang="en-US" sz="600" dirty="0"/>
                         <a:t>Developer -1</a:t>
                       </a:r>
                     </a:p>
@@ -35717,16 +35730,16 @@
                     <a:lstStyle/>
                     <a:p>
                       <a:r>
-                        <a:rPr lang="en-US" sz="800" dirty="0"/>
+                        <a:rPr lang="en-US" sz="600" dirty="0"/>
                         <a:t>5</a:t>
                       </a:r>
                     </a:p>
                     <a:p>
-                      <a:endParaRPr lang="en-US" sz="800" dirty="0"/>
+                      <a:endParaRPr lang="en-US" sz="600" dirty="0"/>
                     </a:p>
                     <a:p>
                       <a:r>
-                        <a:rPr lang="en-US" sz="800" dirty="0"/>
+                        <a:rPr lang="en-US" sz="600" dirty="0"/>
                         <a:t>5</a:t>
                       </a:r>
                     </a:p>
@@ -35739,16 +35752,16 @@
                     <a:lstStyle/>
                     <a:p>
                       <a:r>
-                        <a:rPr lang="en-US" sz="800" dirty="0"/>
-                        <a:t>WIP</a:t>
+                        <a:rPr lang="en-US" sz="600" dirty="0"/>
+                        <a:t>Done</a:t>
                       </a:r>
                     </a:p>
                     <a:p>
-                      <a:endParaRPr lang="en-US" sz="800" dirty="0"/>
+                      <a:endParaRPr lang="en-US" sz="600" dirty="0"/>
                     </a:p>
                     <a:p>
                       <a:r>
-                        <a:rPr lang="en-US" sz="800" dirty="0"/>
+                        <a:rPr lang="en-US" sz="600" dirty="0"/>
                         <a:t>WIP</a:t>
                       </a:r>
                     </a:p>
@@ -35761,7 +35774,7 @@
                   </a:ext>
                 </a:extLst>
               </a:tr>
-              <a:tr h="370840">
+              <a:tr h="611728">
                 <a:tc>
                   <a:txBody>
                     <a:bodyPr/>
@@ -35785,7 +35798,7 @@
                         <a:defRPr/>
                       </a:pPr>
                       <a:r>
-                        <a:rPr lang="en-US" sz="1200" dirty="0"/>
+                        <a:rPr lang="en-US" sz="800" dirty="0"/>
                         <a:t>As a user I should Check the information about recipe so that I can decide whether the recipe has allergens or if it is vegan/non-vegetarian or vegetarian recipe.</a:t>
                       </a:r>
                     </a:p>
@@ -35801,23 +35814,15 @@
                         <a:buAutoNum type="arabicPeriod"/>
                       </a:pPr>
                       <a:r>
-                        <a:rPr lang="en-US" sz="800" dirty="0"/>
-                        <a:t>Set up relevant tables and attempt example meals from </a:t>
-                      </a:r>
-                      <a:r>
-                        <a:rPr lang="en-US" sz="800" dirty="0" err="1"/>
-                        <a:t>sql</a:t>
-                      </a:r>
-                      <a:r>
-                        <a:rPr lang="en-US" sz="800" dirty="0"/>
-                        <a:t> tables. (Matt)</a:t>
+                        <a:rPr lang="en-US" sz="600" dirty="0"/>
+                        <a:t>Set up relevant tables and implement framework for dietary requirements and import onto the database (Matt)</a:t>
                       </a:r>
                     </a:p>
                     <a:p>
                       <a:pPr marL="228600" indent="-228600">
                         <a:buAutoNum type="arabicPeriod"/>
                       </a:pPr>
-                      <a:endParaRPr lang="en-US" sz="800" dirty="0"/>
+                      <a:endParaRPr lang="en-US" sz="600" dirty="0"/>
                     </a:p>
                   </a:txBody>
                   <a:tcPr/>
@@ -35827,7 +35832,10 @@
                     <a:bodyPr/>
                     <a:lstStyle/>
                     <a:p>
-                      <a:endParaRPr lang="en-US" sz="1200" dirty="0"/>
+                      <a:r>
+                        <a:rPr lang="en-US" sz="600" dirty="0"/>
+                        <a:t>1. Developer- 3</a:t>
+                      </a:r>
                     </a:p>
                   </a:txBody>
                   <a:tcPr/>
@@ -35837,7 +35845,10 @@
                     <a:bodyPr/>
                     <a:lstStyle/>
                     <a:p>
-                      <a:endParaRPr lang="en-US" sz="1200" dirty="0"/>
+                      <a:r>
+                        <a:rPr lang="en-US" sz="600" dirty="0"/>
+                        <a:t>10</a:t>
+                      </a:r>
                     </a:p>
                   </a:txBody>
                   <a:tcPr/>
@@ -35847,7 +35858,10 @@
                     <a:bodyPr/>
                     <a:lstStyle/>
                     <a:p>
-                      <a:endParaRPr lang="en-US" sz="1200" dirty="0"/>
+                      <a:r>
+                        <a:rPr lang="en-US" sz="600" dirty="0"/>
+                        <a:t>Done</a:t>
+                      </a:r>
                     </a:p>
                   </a:txBody>
                   <a:tcPr/>
@@ -35858,7 +35872,7 @@
                   </a:ext>
                 </a:extLst>
               </a:tr>
-              <a:tr h="370840">
+              <a:tr h="713683">
                 <a:tc>
                   <a:txBody>
                     <a:bodyPr/>
@@ -35882,8 +35896,8 @@
                         <a:defRPr/>
                       </a:pPr>
                       <a:r>
-                        <a:rPr lang="en-US" sz="1200" dirty="0"/>
-                        <a:t>As a user I should Check nutrition information about the recipe so that I can decide what kind of recipe they want to cook. Whether a protein rich recipe or low-fat recipe etc.</a:t>
+                        <a:rPr lang="en-US" sz="800" dirty="0"/>
+                        <a:t>As a user I should be able to modify recipes according to my needs.</a:t>
                       </a:r>
                     </a:p>
                   </a:txBody>
@@ -35894,7 +35908,30 @@
                     <a:bodyPr/>
                     <a:lstStyle/>
                     <a:p>
-                      <a:endParaRPr lang="en-US" sz="1200" dirty="0"/>
+                      <a:pPr marL="228600" indent="-228600">
+                        <a:buAutoNum type="arabicPeriod"/>
+                      </a:pPr>
+                      <a:r>
+                        <a:rPr lang="en-US" sz="600" dirty="0"/>
+                        <a:t>Set up relevant buttons in front end to edit recipe (steps, Ingredients, cook time, serves).</a:t>
+                      </a:r>
+                    </a:p>
+                    <a:p>
+                      <a:pPr marL="228600" indent="-228600">
+                        <a:buAutoNum type="arabicPeriod"/>
+                      </a:pPr>
+                      <a:r>
+                        <a:rPr lang="en-US" sz="600" dirty="0"/>
+                        <a:t>Create </a:t>
+                      </a:r>
+                      <a:r>
+                        <a:rPr lang="en-US" sz="600" dirty="0" err="1"/>
+                        <a:t>javascript</a:t>
+                      </a:r>
+                      <a:r>
+                        <a:rPr lang="en-US" sz="600" dirty="0"/>
+                        <a:t> to modify the recipe in database.</a:t>
+                      </a:r>
                     </a:p>
                   </a:txBody>
                   <a:tcPr/>
@@ -35904,7 +35941,34 @@
                     <a:bodyPr/>
                     <a:lstStyle/>
                     <a:p>
-                      <a:endParaRPr lang="en-US" sz="1200" dirty="0"/>
+                      <a:pPr marL="228600" indent="-228600">
+                        <a:buAutoNum type="arabicPeriod"/>
+                      </a:pPr>
+                      <a:r>
+                        <a:rPr lang="en-US" sz="600" dirty="0"/>
+                        <a:t>Developer -1</a:t>
+                      </a:r>
+                    </a:p>
+                    <a:p>
+                      <a:pPr marL="228600" indent="-228600">
+                        <a:buAutoNum type="arabicPeriod"/>
+                      </a:pPr>
+                      <a:endParaRPr lang="en-US" sz="600" dirty="0"/>
+                    </a:p>
+                    <a:p>
+                      <a:pPr marL="228600" indent="-228600">
+                        <a:buAutoNum type="arabicPeriod"/>
+                      </a:pPr>
+                      <a:endParaRPr lang="en-US" sz="600" dirty="0"/>
+                    </a:p>
+                    <a:p>
+                      <a:pPr marL="228600" indent="-228600">
+                        <a:buAutoNum type="arabicPeriod"/>
+                      </a:pPr>
+                      <a:r>
+                        <a:rPr lang="en-US" sz="600" dirty="0"/>
+                        <a:t>Developer -4</a:t>
+                      </a:r>
                     </a:p>
                   </a:txBody>
                   <a:tcPr/>
@@ -35914,7 +35978,28 @@
                     <a:bodyPr/>
                     <a:lstStyle/>
                     <a:p>
-                      <a:endParaRPr lang="en-US" sz="1200" dirty="0"/>
+                      <a:r>
+                        <a:rPr lang="en-US" sz="600" dirty="0"/>
+                        <a:t>3</a:t>
+                      </a:r>
+                    </a:p>
+                    <a:p>
+                      <a:endParaRPr lang="en-US" sz="600" dirty="0"/>
+                    </a:p>
+                    <a:p>
+                      <a:endParaRPr lang="en-US" sz="600" dirty="0"/>
+                    </a:p>
+                    <a:p>
+                      <a:endParaRPr lang="en-US" sz="600" dirty="0"/>
+                    </a:p>
+                    <a:p>
+                      <a:endParaRPr lang="en-US" sz="600" dirty="0"/>
+                    </a:p>
+                    <a:p>
+                      <a:r>
+                        <a:rPr lang="en-US" sz="600" dirty="0"/>
+                        <a:t>5</a:t>
+                      </a:r>
                     </a:p>
                   </a:txBody>
                   <a:tcPr/>
@@ -35924,7 +36009,28 @@
                     <a:bodyPr/>
                     <a:lstStyle/>
                     <a:p>
-                      <a:endParaRPr lang="en-US" sz="1200" dirty="0"/>
+                      <a:r>
+                        <a:rPr lang="en-US" sz="600" dirty="0"/>
+                        <a:t>Done</a:t>
+                      </a:r>
+                    </a:p>
+                    <a:p>
+                      <a:endParaRPr lang="en-US" sz="600" dirty="0"/>
+                    </a:p>
+                    <a:p>
+                      <a:endParaRPr lang="en-US" sz="600" dirty="0"/>
+                    </a:p>
+                    <a:p>
+                      <a:endParaRPr lang="en-US" sz="600" dirty="0"/>
+                    </a:p>
+                    <a:p>
+                      <a:endParaRPr lang="en-US" sz="600" dirty="0"/>
+                    </a:p>
+                    <a:p>
+                      <a:r>
+                        <a:rPr lang="en-US" sz="600" dirty="0"/>
+                        <a:t>TBS</a:t>
+                      </a:r>
                     </a:p>
                   </a:txBody>
                   <a:tcPr/>
@@ -35935,7 +36041,7 @@
                   </a:ext>
                 </a:extLst>
               </a:tr>
-              <a:tr h="362171">
+              <a:tr h="509774">
                 <a:tc>
                   <a:txBody>
                     <a:bodyPr/>
@@ -35959,8 +36065,59 @@
                         <a:defRPr/>
                       </a:pPr>
                       <a:r>
-                        <a:rPr lang="en-US" sz="1200" dirty="0"/>
-                        <a:t>As a user I could Share the recipe so that I can share it to my friends/family if I like the recipe</a:t>
+                        <a:rPr lang="en-US" sz="800" dirty="0"/>
+                        <a:t>As a user I should be able to share recipes.</a:t>
+                      </a:r>
+                    </a:p>
+                    <a:p>
+                      <a:pPr marL="0" marR="0" lvl="0" indent="0" algn="l" defTabSz="914400" rtl="0" eaLnBrk="1" fontAlgn="auto" latinLnBrk="0" hangingPunct="1">
+                        <a:lnSpc>
+                          <a:spcPct val="100000"/>
+                        </a:lnSpc>
+                        <a:spcBef>
+                          <a:spcPts val="0"/>
+                        </a:spcBef>
+                        <a:spcAft>
+                          <a:spcPts val="0"/>
+                        </a:spcAft>
+                        <a:buClrTx/>
+                        <a:buSzTx/>
+                        <a:buFontTx/>
+                        <a:buNone/>
+                        <a:tabLst/>
+                        <a:defRPr/>
+                      </a:pPr>
+                      <a:endParaRPr lang="en-US" sz="800" dirty="0"/>
+                    </a:p>
+                  </a:txBody>
+                  <a:tcPr/>
+                </a:tc>
+                <a:tc>
+                  <a:txBody>
+                    <a:bodyPr/>
+                    <a:lstStyle/>
+                    <a:p>
+                      <a:pPr marL="228600" indent="-228600">
+                        <a:buAutoNum type="arabicPeriod"/>
+                      </a:pPr>
+                      <a:r>
+                        <a:rPr lang="en-US" sz="600" dirty="0"/>
+                        <a:t>Code to share the recipe</a:t>
+                      </a:r>
+                    </a:p>
+                    <a:p>
+                      <a:pPr marL="228600" indent="-228600">
+                        <a:buAutoNum type="arabicPeriod"/>
+                      </a:pPr>
+                      <a:endParaRPr lang="en-US" sz="600" dirty="0"/>
+                    </a:p>
+                    <a:p>
+                      <a:pPr marL="228600" indent="-228600">
+                        <a:buAutoNum type="arabicPeriod"/>
+                      </a:pPr>
+                      <a:r>
+                        <a:rPr lang="en-US" sz="600" dirty="0"/>
+                        <a:t>Create a share button on front end </a:t>
                       </a:r>
                     </a:p>
                   </a:txBody>
@@ -35971,7 +36128,28 @@
                     <a:bodyPr/>
                     <a:lstStyle/>
                     <a:p>
-                      <a:endParaRPr lang="en-US" sz="1200" dirty="0"/>
+                      <a:pPr marL="228600" indent="-228600">
+                        <a:buAutoNum type="arabicPeriod"/>
+                      </a:pPr>
+                      <a:r>
+                        <a:rPr lang="en-US" sz="600" dirty="0"/>
+                        <a:t>Developer – 2</a:t>
+                      </a:r>
+                    </a:p>
+                    <a:p>
+                      <a:pPr marL="228600" indent="-228600">
+                        <a:buAutoNum type="arabicPeriod"/>
+                      </a:pPr>
+                      <a:endParaRPr lang="en-US" sz="600" dirty="0"/>
+                    </a:p>
+                    <a:p>
+                      <a:pPr marL="228600" indent="-228600">
+                        <a:buAutoNum type="arabicPeriod"/>
+                      </a:pPr>
+                      <a:r>
+                        <a:rPr lang="en-US" sz="600" dirty="0"/>
+                        <a:t>Developer -1</a:t>
+                      </a:r>
                     </a:p>
                   </a:txBody>
                   <a:tcPr/>
@@ -35981,7 +36159,19 @@
                     <a:bodyPr/>
                     <a:lstStyle/>
                     <a:p>
-                      <a:endParaRPr lang="en-US" sz="1200" dirty="0"/>
+                      <a:r>
+                        <a:rPr lang="en-US" sz="600" dirty="0"/>
+                        <a:t> 3</a:t>
+                      </a:r>
+                    </a:p>
+                    <a:p>
+                      <a:endParaRPr lang="en-US" sz="600" dirty="0"/>
+                    </a:p>
+                    <a:p>
+                      <a:r>
+                        <a:rPr lang="en-US" sz="600" dirty="0"/>
+                        <a:t>½</a:t>
+                      </a:r>
                     </a:p>
                   </a:txBody>
                   <a:tcPr/>
@@ -35991,17 +36181,19 @@
                     <a:bodyPr/>
                     <a:lstStyle/>
                     <a:p>
-                      <a:endParaRPr lang="en-US" sz="1200" dirty="0"/>
+                      <a:r>
+                        <a:rPr lang="en-US" sz="600" dirty="0"/>
+                        <a:t> TBS</a:t>
+                      </a:r>
                     </a:p>
-                  </a:txBody>
-                  <a:tcPr/>
-                </a:tc>
-                <a:tc>
-                  <a:txBody>
-                    <a:bodyPr/>
-                    <a:lstStyle/>
                     <a:p>
-                      <a:endParaRPr lang="en-US" sz="1200" dirty="0"/>
+                      <a:endParaRPr lang="en-US" sz="600" dirty="0"/>
+                    </a:p>
+                    <a:p>
+                      <a:r>
+                        <a:rPr lang="en-US" sz="600" dirty="0"/>
+                        <a:t>TBS</a:t>
+                      </a:r>
                     </a:p>
                   </a:txBody>
                   <a:tcPr/>
@@ -36012,7 +36204,7 @@
                   </a:ext>
                 </a:extLst>
               </a:tr>
-              <a:tr h="370840">
+              <a:tr h="407819">
                 <a:tc>
                   <a:txBody>
                     <a:bodyPr/>
@@ -36036,8 +36228,8 @@
                         <a:defRPr/>
                       </a:pPr>
                       <a:r>
-                        <a:rPr lang="en-US" sz="1200" dirty="0"/>
-                        <a:t>As a user I could Modify the recipe according to my taste so that If I don’t want an ingredient used in the recipe or if I think I can make the recipe better, I should be able to modify according to my choice.</a:t>
+                        <a:rPr lang="en-US" sz="800" dirty="0"/>
+                        <a:t>As a user I should have nutrition information about each recipes.</a:t>
                       </a:r>
                     </a:p>
                   </a:txBody>
@@ -36048,7 +36240,10 @@
                     <a:bodyPr/>
                     <a:lstStyle/>
                     <a:p>
-                      <a:endParaRPr lang="en-US" sz="1200" dirty="0"/>
+                      <a:r>
+                        <a:rPr lang="en-US" sz="600" dirty="0"/>
+                        <a:t>1. Set up the relevant table about nutrition information of each ingredients used in the recipe</a:t>
+                      </a:r>
                     </a:p>
                   </a:txBody>
                   <a:tcPr/>
@@ -36058,7 +36253,13 @@
                     <a:bodyPr/>
                     <a:lstStyle/>
                     <a:p>
-                      <a:endParaRPr lang="en-US" sz="1200" dirty="0"/>
+                      <a:pPr marL="228600" indent="-228600">
+                        <a:buAutoNum type="arabicPeriod"/>
+                      </a:pPr>
+                      <a:r>
+                        <a:rPr lang="en-US" sz="600" dirty="0"/>
+                        <a:t>Developer – 3</a:t>
+                      </a:r>
                     </a:p>
                   </a:txBody>
                   <a:tcPr/>
@@ -36068,7 +36269,10 @@
                     <a:bodyPr/>
                     <a:lstStyle/>
                     <a:p>
-                      <a:endParaRPr lang="en-US" sz="1200" dirty="0"/>
+                      <a:r>
+                        <a:rPr lang="en-US" sz="600" dirty="0"/>
+                        <a:t>2</a:t>
+                      </a:r>
                     </a:p>
                   </a:txBody>
                   <a:tcPr/>
@@ -36078,7 +36282,10 @@
                     <a:bodyPr/>
                     <a:lstStyle/>
                     <a:p>
-                      <a:endParaRPr lang="en-US" sz="1200" dirty="0"/>
+                      <a:r>
+                        <a:rPr lang="en-US" sz="600" dirty="0"/>
+                        <a:t>TBS</a:t>
+                      </a:r>
                     </a:p>
                   </a:txBody>
                   <a:tcPr/>
@@ -36089,7 +36296,7 @@
                   </a:ext>
                 </a:extLst>
               </a:tr>
-              <a:tr h="370840">
+              <a:tr h="880846">
                 <a:tc>
                   <a:txBody>
                     <a:bodyPr/>
@@ -36113,8 +36320,8 @@
                         <a:defRPr/>
                       </a:pPr>
                       <a:r>
-                        <a:rPr lang="en-US" sz="1200" dirty="0"/>
-                        <a:t>As a user I should be able to Update costed shopping list so that I can keep the prices of the ingredients up-to date.</a:t>
+                        <a:rPr lang="en-US" sz="800" dirty="0"/>
+                        <a:t>As a user I should be able to update the costed shopping list.</a:t>
                       </a:r>
                     </a:p>
                   </a:txBody>
@@ -36125,7 +36332,31 @@
                     <a:bodyPr/>
                     <a:lstStyle/>
                     <a:p>
-                      <a:endParaRPr lang="en-US" sz="1200" dirty="0"/>
+                      <a:pPr marL="228600" indent="-228600">
+                        <a:buAutoNum type="arabicPeriod"/>
+                      </a:pPr>
+                      <a:r>
+                        <a:rPr lang="en-US" sz="600" dirty="0"/>
+                        <a:t>Add the information for costed shopping list and add an edit button </a:t>
+                      </a:r>
+                    </a:p>
+                    <a:p>
+                      <a:pPr marL="228600" indent="-228600">
+                        <a:buAutoNum type="arabicPeriod"/>
+                      </a:pPr>
+                      <a:r>
+                        <a:rPr lang="en-US" sz="600" dirty="0"/>
+                        <a:t>Code to modify costed shopping list</a:t>
+                      </a:r>
+                    </a:p>
+                    <a:p>
+                      <a:pPr marL="228600" indent="-228600">
+                        <a:buAutoNum type="arabicPeriod"/>
+                      </a:pPr>
+                      <a:r>
+                        <a:rPr lang="en-US" sz="600" dirty="0"/>
+                        <a:t>Set up relevant tables with ingredients prices</a:t>
+                      </a:r>
                     </a:p>
                   </a:txBody>
                   <a:tcPr/>
@@ -36135,7 +36366,49 @@
                     <a:bodyPr/>
                     <a:lstStyle/>
                     <a:p>
-                      <a:endParaRPr lang="en-US" sz="1200" dirty="0"/>
+                      <a:pPr marL="228600" indent="-228600">
+                        <a:buAutoNum type="arabicPeriod"/>
+                      </a:pPr>
+                      <a:r>
+                        <a:rPr lang="en-US" sz="600" dirty="0"/>
+                        <a:t>Developer -1</a:t>
+                      </a:r>
+                    </a:p>
+                    <a:p>
+                      <a:pPr marL="228600" indent="-228600">
+                        <a:buAutoNum type="arabicPeriod"/>
+                      </a:pPr>
+                      <a:endParaRPr lang="en-US" sz="600" dirty="0"/>
+                    </a:p>
+                    <a:p>
+                      <a:pPr marL="228600" indent="-228600">
+                        <a:buAutoNum type="arabicPeriod"/>
+                      </a:pPr>
+                      <a:endParaRPr lang="en-US" sz="600" dirty="0"/>
+                    </a:p>
+                    <a:p>
+                      <a:pPr marL="228600" indent="-228600">
+                        <a:buAutoNum type="arabicPeriod"/>
+                      </a:pPr>
+                      <a:r>
+                        <a:rPr lang="en-US" sz="600" dirty="0"/>
+                        <a:t>Developer -4</a:t>
+                      </a:r>
+                    </a:p>
+                    <a:p>
+                      <a:pPr marL="228600" indent="-228600">
+                        <a:buAutoNum type="arabicPeriod"/>
+                      </a:pPr>
+                      <a:endParaRPr lang="en-US" sz="600" dirty="0"/>
+                    </a:p>
+                    <a:p>
+                      <a:pPr marL="228600" indent="-228600">
+                        <a:buAutoNum type="arabicPeriod"/>
+                      </a:pPr>
+                      <a:r>
+                        <a:rPr lang="en-US" sz="600" dirty="0"/>
+                        <a:t>Developer - 3</a:t>
+                      </a:r>
                     </a:p>
                   </a:txBody>
                   <a:tcPr/>
@@ -36145,7 +36418,31 @@
                     <a:bodyPr/>
                     <a:lstStyle/>
                     <a:p>
-                      <a:endParaRPr lang="en-US" sz="1200" dirty="0"/>
+                      <a:r>
+                        <a:rPr lang="en-US" sz="600" dirty="0"/>
+                        <a:t>2</a:t>
+                      </a:r>
+                    </a:p>
+                    <a:p>
+                      <a:endParaRPr lang="en-US" sz="600" dirty="0"/>
+                    </a:p>
+                    <a:p>
+                      <a:endParaRPr lang="en-US" sz="600" dirty="0"/>
+                    </a:p>
+                    <a:p>
+                      <a:r>
+                        <a:rPr lang="en-US" sz="600" dirty="0"/>
+                        <a:t>1</a:t>
+                      </a:r>
+                    </a:p>
+                    <a:p>
+                      <a:endParaRPr lang="en-US" sz="600" dirty="0"/>
+                    </a:p>
+                    <a:p>
+                      <a:r>
+                        <a:rPr lang="en-US" sz="600" dirty="0"/>
+                        <a:t>3</a:t>
+                      </a:r>
                     </a:p>
                   </a:txBody>
                   <a:tcPr/>
@@ -36155,7 +36452,31 @@
                     <a:bodyPr/>
                     <a:lstStyle/>
                     <a:p>
-                      <a:endParaRPr lang="en-US" sz="1200" dirty="0"/>
+                      <a:r>
+                        <a:rPr lang="en-US" sz="600" dirty="0"/>
+                        <a:t>TBS</a:t>
+                      </a:r>
+                    </a:p>
+                    <a:p>
+                      <a:endParaRPr lang="en-US" sz="600" dirty="0"/>
+                    </a:p>
+                    <a:p>
+                      <a:endParaRPr lang="en-US" sz="600" dirty="0"/>
+                    </a:p>
+                    <a:p>
+                      <a:r>
+                        <a:rPr lang="en-US" sz="600" dirty="0"/>
+                        <a:t>TBS</a:t>
+                      </a:r>
+                    </a:p>
+                    <a:p>
+                      <a:endParaRPr lang="en-US" sz="600" dirty="0"/>
+                    </a:p>
+                    <a:p>
+                      <a:r>
+                        <a:rPr lang="en-US" sz="600" dirty="0"/>
+                        <a:t>TBS</a:t>
+                      </a:r>
                     </a:p>
                   </a:txBody>
                   <a:tcPr/>
@@ -36163,6 +36484,131 @@
                 <a:extLst>
                   <a:ext uri="{0D108BD9-81ED-4DB2-BD59-A6C34878D82A}">
                     <a16:rowId xmlns:a16="http://schemas.microsoft.com/office/drawing/2014/main" val="3392680404"/>
+                  </a:ext>
+                </a:extLst>
+              </a:tr>
+              <a:tr h="375052">
+                <a:tc>
+                  <a:txBody>
+                    <a:bodyPr/>
+                    <a:lstStyle/>
+                    <a:p>
+                      <a:pPr marL="0" marR="0" lvl="0" indent="0" algn="l" defTabSz="914400" rtl="0" eaLnBrk="1" fontAlgn="auto" latinLnBrk="0" hangingPunct="1">
+                        <a:lnSpc>
+                          <a:spcPct val="100000"/>
+                        </a:lnSpc>
+                        <a:spcBef>
+                          <a:spcPts val="0"/>
+                        </a:spcBef>
+                        <a:spcAft>
+                          <a:spcPts val="0"/>
+                        </a:spcAft>
+                        <a:buClrTx/>
+                        <a:buSzTx/>
+                        <a:buFontTx/>
+                        <a:buNone/>
+                        <a:tabLst/>
+                        <a:defRPr/>
+                      </a:pPr>
+                      <a:r>
+                        <a:rPr lang="en-US" sz="800" dirty="0"/>
+                        <a:t>As a user I should be able to browse home page and about page.</a:t>
+                      </a:r>
+                    </a:p>
+                  </a:txBody>
+                  <a:tcPr/>
+                </a:tc>
+                <a:tc>
+                  <a:txBody>
+                    <a:bodyPr/>
+                    <a:lstStyle/>
+                    <a:p>
+                      <a:pPr marL="228600" indent="-228600">
+                        <a:buAutoNum type="arabicPeriod"/>
+                      </a:pPr>
+                      <a:r>
+                        <a:rPr lang="en-US" sz="600" dirty="0"/>
+                        <a:t>Structure for the page</a:t>
+                      </a:r>
+                    </a:p>
+                    <a:p>
+                      <a:pPr marL="228600" indent="-228600">
+                        <a:buAutoNum type="arabicPeriod"/>
+                      </a:pPr>
+                      <a:r>
+                        <a:rPr lang="en-US" sz="600" dirty="0"/>
+                        <a:t>Contents for the page</a:t>
+                      </a:r>
+                    </a:p>
+                  </a:txBody>
+                  <a:tcPr/>
+                </a:tc>
+                <a:tc>
+                  <a:txBody>
+                    <a:bodyPr/>
+                    <a:lstStyle/>
+                    <a:p>
+                      <a:pPr marL="228600" indent="-228600">
+                        <a:buAutoNum type="arabicPeriod"/>
+                      </a:pPr>
+                      <a:r>
+                        <a:rPr lang="en-US" sz="600" dirty="0"/>
+                        <a:t>Developer -1</a:t>
+                      </a:r>
+                    </a:p>
+                    <a:p>
+                      <a:pPr marL="228600" indent="-228600">
+                        <a:buAutoNum type="arabicPeriod"/>
+                      </a:pPr>
+                      <a:r>
+                        <a:rPr lang="en-US" sz="600" dirty="0"/>
+                        <a:t>Developer- 3</a:t>
+                      </a:r>
+                    </a:p>
+                  </a:txBody>
+                  <a:tcPr/>
+                </a:tc>
+                <a:tc>
+                  <a:txBody>
+                    <a:bodyPr/>
+                    <a:lstStyle/>
+                    <a:p>
+                      <a:r>
+                        <a:rPr lang="en-US" sz="600" dirty="0"/>
+                        <a:t>1</a:t>
+                      </a:r>
+                    </a:p>
+                    <a:p>
+                      <a:r>
+                        <a:rPr lang="en-US" sz="600" dirty="0"/>
+                        <a:t>2 </a:t>
+                      </a:r>
+                    </a:p>
+                  </a:txBody>
+                  <a:tcPr/>
+                </a:tc>
+                <a:tc>
+                  <a:txBody>
+                    <a:bodyPr/>
+                    <a:lstStyle/>
+                    <a:p>
+                      <a:r>
+                        <a:rPr lang="en-US" sz="600" dirty="0"/>
+                        <a:t>Done</a:t>
+                      </a:r>
+                    </a:p>
+                    <a:p>
+                      <a:r>
+                        <a:rPr lang="en-US" sz="600" dirty="0"/>
+                        <a:t>TBS</a:t>
+                      </a:r>
+                    </a:p>
+                  </a:txBody>
+                  <a:tcPr/>
+                </a:tc>
+                <a:extLst>
+                  <a:ext uri="{0D108BD9-81ED-4DB2-BD59-A6C34878D82A}">
+                    <a16:rowId xmlns:a16="http://schemas.microsoft.com/office/drawing/2014/main" val="4261447205"/>
                   </a:ext>
                 </a:extLst>
               </a:tr>
@@ -36174,89 +36620,6 @@
     <p:extLst>
       <p:ext uri="{BB962C8B-B14F-4D97-AF65-F5344CB8AC3E}">
         <p14:creationId xmlns:p14="http://schemas.microsoft.com/office/powerpoint/2010/main" val="3762313646"/>
-      </p:ext>
-    </p:extLst>
-  </p:cSld>
-  <p:clrMapOvr>
-    <a:masterClrMapping/>
-  </p:clrMapOvr>
-</p:sld>
-</file>
-
-<file path=ppt/slides/slide16.xml><?xml version="1.0" encoding="utf-8"?>
-<p:sld xmlns:a="http://schemas.openxmlformats.org/drawingml/2006/main" xmlns:r="http://schemas.openxmlformats.org/officeDocument/2006/relationships" xmlns:p="http://schemas.openxmlformats.org/presentationml/2006/main">
-  <p:cSld>
-    <p:spTree>
-      <p:nvGrpSpPr>
-        <p:cNvPr id="1" name=""/>
-        <p:cNvGrpSpPr/>
-        <p:nvPr/>
-      </p:nvGrpSpPr>
-      <p:grpSpPr>
-        <a:xfrm>
-          <a:off x="0" y="0"/>
-          <a:ext cx="0" cy="0"/>
-          <a:chOff x="0" y="0"/>
-          <a:chExt cx="0" cy="0"/>
-        </a:xfrm>
-      </p:grpSpPr>
-      <p:sp>
-        <p:nvSpPr>
-          <p:cNvPr id="2" name="Title 1">
-            <a:extLst>
-              <a:ext uri="{FF2B5EF4-FFF2-40B4-BE49-F238E27FC236}">
-                <a16:creationId xmlns:a16="http://schemas.microsoft.com/office/drawing/2014/main" id="{23A337A9-A72F-DC45-8B0E-86F46076BEAC}"/>
-              </a:ext>
-            </a:extLst>
-          </p:cNvPr>
-          <p:cNvSpPr>
-            <a:spLocks noGrp="1"/>
-          </p:cNvSpPr>
-          <p:nvPr>
-            <p:ph type="title"/>
-          </p:nvPr>
-        </p:nvSpPr>
-        <p:spPr/>
-        <p:txBody>
-          <a:bodyPr/>
-          <a:lstStyle/>
-          <a:p>
-            <a:r>
-              <a:rPr lang="en-US" dirty="0"/>
-              <a:t>Recipe 1</a:t>
-            </a:r>
-          </a:p>
-        </p:txBody>
-      </p:sp>
-      <p:sp>
-        <p:nvSpPr>
-          <p:cNvPr id="3" name="Content Placeholder 2">
-            <a:extLst>
-              <a:ext uri="{FF2B5EF4-FFF2-40B4-BE49-F238E27FC236}">
-                <a16:creationId xmlns:a16="http://schemas.microsoft.com/office/drawing/2014/main" id="{365BF02F-7D1E-8048-922E-070E1D26A917}"/>
-              </a:ext>
-            </a:extLst>
-          </p:cNvPr>
-          <p:cNvSpPr>
-            <a:spLocks noGrp="1"/>
-          </p:cNvSpPr>
-          <p:nvPr>
-            <p:ph idx="1"/>
-          </p:nvPr>
-        </p:nvSpPr>
-        <p:spPr/>
-        <p:txBody>
-          <a:bodyPr/>
-          <a:lstStyle/>
-          <a:p>
-            <a:endParaRPr lang="en-US" dirty="0"/>
-          </a:p>
-        </p:txBody>
-      </p:sp>
-    </p:spTree>
-    <p:extLst>
-      <p:ext uri="{BB962C8B-B14F-4D97-AF65-F5344CB8AC3E}">
-        <p14:creationId xmlns:p14="http://schemas.microsoft.com/office/powerpoint/2010/main" val="2741142187"/>
       </p:ext>
     </p:extLst>
   </p:cSld>

--- a/AGILE.pptx
+++ b/AGILE.pptx
@@ -20,6 +20,7 @@
     <p:sldId id="275" r:id="rId14"/>
     <p:sldId id="277" r:id="rId15"/>
     <p:sldId id="278" r:id="rId16"/>
+    <p:sldId id="279" r:id="rId17"/>
   </p:sldIdLst>
   <p:sldSz cx="12192000" cy="6858000"/>
   <p:notesSz cx="6858000" cy="9144000"/>
@@ -28467,7 +28468,7 @@
           <a:p>
             <a:fld id="{655A5808-3B61-48CC-92EF-85AC2E0DFA56}" type="datetime2">
               <a:rPr lang="en-US" smtClean="0"/>
-              <a:t>Tuesday, March 15, 2022</a:t>
+              <a:t>Monday, March 28, 2022</a:t>
             </a:fld>
             <a:endParaRPr lang="en-US"/>
           </a:p>
@@ -28665,7 +28666,7 @@
           <a:p>
             <a:fld id="{735E98AF-4574-4509-BF7A-519ACD5BF826}" type="datetime2">
               <a:rPr lang="en-US" smtClean="0"/>
-              <a:t>Tuesday, March 15, 2022</a:t>
+              <a:t>Monday, March 28, 2022</a:t>
             </a:fld>
             <a:endParaRPr lang="en-US"/>
           </a:p>
@@ -28875,7 +28876,7 @@
           <a:p>
             <a:fld id="{93DD97D4-9636-490F-85D0-E926C2B6F3B1}" type="datetime2">
               <a:rPr lang="en-US" smtClean="0"/>
-              <a:t>Tuesday, March 15, 2022</a:t>
+              <a:t>Monday, March 28, 2022</a:t>
             </a:fld>
             <a:endParaRPr lang="en-US"/>
           </a:p>
@@ -29074,7 +29075,7 @@
           <a:p>
             <a:fld id="{2F3AF3C6-0FD4-4939-991C-00DDE5C56815}" type="datetime2">
               <a:rPr lang="en-US" smtClean="0"/>
-              <a:t>Tuesday, March 15, 2022</a:t>
+              <a:t>Monday, March 28, 2022</a:t>
             </a:fld>
             <a:endParaRPr lang="en-US"/>
           </a:p>
@@ -29355,7 +29356,7 @@
           <a:p>
             <a:fld id="{86807482-8128-47C6-A8DD-6452B0291CFF}" type="datetime2">
               <a:rPr lang="en-US" smtClean="0"/>
-              <a:t>Tuesday, March 15, 2022</a:t>
+              <a:t>Monday, March 28, 2022</a:t>
             </a:fld>
             <a:endParaRPr lang="en-US"/>
           </a:p>
@@ -29623,7 +29624,7 @@
           <a:p>
             <a:fld id="{37903F25-275E-41DE-BE3B-EBF0DB49F9B1}" type="datetime2">
               <a:rPr lang="en-US" smtClean="0"/>
-              <a:t>Tuesday, March 15, 2022</a:t>
+              <a:t>Monday, March 28, 2022</a:t>
             </a:fld>
             <a:endParaRPr lang="en-US"/>
           </a:p>
@@ -30004,7 +30005,7 @@
           <a:p>
             <a:fld id="{EE475572-4A44-4171-84AA-64D42C8050A6}" type="datetime2">
               <a:rPr lang="en-US" smtClean="0"/>
-              <a:t>Tuesday, March 15, 2022</a:t>
+              <a:t>Monday, March 28, 2022</a:t>
             </a:fld>
             <a:endParaRPr lang="en-US"/>
           </a:p>
@@ -30174,7 +30175,7 @@
           <a:p>
             <a:fld id="{C4C1612E-528E-4FD5-9E9E-E15F1108F171}" type="datetime2">
               <a:rPr lang="en-US" smtClean="0"/>
-              <a:t>Tuesday, March 15, 2022</a:t>
+              <a:t>Monday, March 28, 2022</a:t>
             </a:fld>
             <a:endParaRPr lang="en-US"/>
           </a:p>
@@ -30287,7 +30288,7 @@
           <a:p>
             <a:fld id="{D4F6D862-A06D-436F-A92E-EBAAD50B6E50}" type="datetime2">
               <a:rPr lang="en-US" smtClean="0"/>
-              <a:t>Tuesday, March 15, 2022</a:t>
+              <a:t>Monday, March 28, 2022</a:t>
             </a:fld>
             <a:endParaRPr lang="en-US"/>
           </a:p>
@@ -30604,7 +30605,7 @@
           <a:p>
             <a:fld id="{B73E0B7D-2260-4809-8F0A-9E5F3E24F169}" type="datetime2">
               <a:rPr lang="en-US" smtClean="0"/>
-              <a:t>Tuesday, March 15, 2022</a:t>
+              <a:t>Monday, March 28, 2022</a:t>
             </a:fld>
             <a:endParaRPr lang="en-US"/>
           </a:p>
@@ -30896,7 +30897,7 @@
           <a:p>
             <a:fld id="{3C8E4735-C637-46A3-94EB-AB3AC4188D2F}" type="datetime2">
               <a:rPr lang="en-US" smtClean="0"/>
-              <a:t>Tuesday, March 15, 2022</a:t>
+              <a:t>Monday, March 28, 2022</a:t>
             </a:fld>
             <a:endParaRPr lang="en-US"/>
           </a:p>
@@ -31264,7 +31265,7 @@
             <a:fld id="{AE0C963C-C1DB-4AFD-9DDC-0691666BF49B}" type="datetime2">
               <a:rPr lang="en-US" smtClean="0"/>
               <a:pPr/>
-              <a:t>Tuesday, March 15, 2022</a:t>
+              <a:t>Monday, March 28, 2022</a:t>
             </a:fld>
             <a:endParaRPr lang="en-US" cap="all" dirty="0"/>
           </a:p>
@@ -36629,6 +36630,128 @@
 </p:sld>
 </file>
 
+<file path=ppt/slides/slide16.xml><?xml version="1.0" encoding="utf-8"?>
+<p:sld xmlns:a="http://schemas.openxmlformats.org/drawingml/2006/main" xmlns:r="http://schemas.openxmlformats.org/officeDocument/2006/relationships" xmlns:p="http://schemas.openxmlformats.org/presentationml/2006/main">
+  <p:cSld>
+    <p:spTree>
+      <p:nvGrpSpPr>
+        <p:cNvPr id="1" name=""/>
+        <p:cNvGrpSpPr/>
+        <p:nvPr/>
+      </p:nvGrpSpPr>
+      <p:grpSpPr>
+        <a:xfrm>
+          <a:off x="0" y="0"/>
+          <a:ext cx="0" cy="0"/>
+          <a:chOff x="0" y="0"/>
+          <a:chExt cx="0" cy="0"/>
+        </a:xfrm>
+      </p:grpSpPr>
+      <p:sp>
+        <p:nvSpPr>
+          <p:cNvPr id="2" name="Title 1">
+            <a:extLst>
+              <a:ext uri="{FF2B5EF4-FFF2-40B4-BE49-F238E27FC236}">
+                <a16:creationId xmlns:a16="http://schemas.microsoft.com/office/drawing/2014/main" id="{55209D2B-CCC5-D14D-BFA4-EC4242B432C1}"/>
+              </a:ext>
+            </a:extLst>
+          </p:cNvPr>
+          <p:cNvSpPr>
+            <a:spLocks noGrp="1"/>
+          </p:cNvSpPr>
+          <p:nvPr>
+            <p:ph type="title"/>
+          </p:nvPr>
+        </p:nvSpPr>
+        <p:spPr/>
+        <p:txBody>
+          <a:bodyPr/>
+          <a:lstStyle/>
+          <a:p>
+            <a:r>
+              <a:rPr lang="en-US" dirty="0"/>
+              <a:t>Things to do</a:t>
+            </a:r>
+          </a:p>
+        </p:txBody>
+      </p:sp>
+      <p:sp>
+        <p:nvSpPr>
+          <p:cNvPr id="3" name="Content Placeholder 2">
+            <a:extLst>
+              <a:ext uri="{FF2B5EF4-FFF2-40B4-BE49-F238E27FC236}">
+                <a16:creationId xmlns:a16="http://schemas.microsoft.com/office/drawing/2014/main" id="{A29DCD0E-F402-4044-AB32-0E8C5195B284}"/>
+              </a:ext>
+            </a:extLst>
+          </p:cNvPr>
+          <p:cNvSpPr>
+            <a:spLocks noGrp="1"/>
+          </p:cNvSpPr>
+          <p:nvPr>
+            <p:ph idx="1"/>
+          </p:nvPr>
+        </p:nvSpPr>
+        <p:spPr/>
+        <p:txBody>
+          <a:bodyPr/>
+          <a:lstStyle/>
+          <a:p>
+            <a:pPr marL="0" indent="0">
+              <a:buNone/>
+            </a:pPr>
+            <a:endParaRPr lang="en-US" dirty="0"/>
+          </a:p>
+          <a:p>
+            <a:r>
+              <a:rPr lang="en-US" dirty="0"/>
+              <a:t>Share recipes - BINBIN</a:t>
+            </a:r>
+          </a:p>
+          <a:p>
+            <a:r>
+              <a:rPr lang="en-US" dirty="0"/>
+              <a:t>Add a tick for vegetarian/vegan/ allergens - BINBIN</a:t>
+            </a:r>
+          </a:p>
+          <a:p>
+            <a:r>
+              <a:rPr lang="en-US" dirty="0"/>
+              <a:t>Able to edit recipe(every single thing in the recipe) - EWAN</a:t>
+            </a:r>
+          </a:p>
+          <a:p>
+            <a:r>
+              <a:rPr lang="en-US" dirty="0"/>
+              <a:t>Nutrition Information according to the recipe used </a:t>
+            </a:r>
+          </a:p>
+          <a:p>
+            <a:r>
+              <a:rPr lang="en-US" dirty="0"/>
+              <a:t>Costed shopping list according to the quantity used</a:t>
+            </a:r>
+          </a:p>
+          <a:p>
+            <a:endParaRPr lang="en-US" dirty="0"/>
+          </a:p>
+          <a:p>
+            <a:endParaRPr lang="en-US" dirty="0"/>
+          </a:p>
+        </p:txBody>
+      </p:sp>
+    </p:spTree>
+    <p:extLst>
+      <p:ext uri="{BB962C8B-B14F-4D97-AF65-F5344CB8AC3E}">
+        <p14:creationId xmlns:p14="http://schemas.microsoft.com/office/powerpoint/2010/main" val="2992682352"/>
+      </p:ext>
+    </p:extLst>
+  </p:cSld>
+  <p:clrMapOvr>
+    <a:masterClrMapping/>
+  </p:clrMapOvr>
+</p:sld>
+</file>
+
 <file path=ppt/slides/slide2.xml><?xml version="1.0" encoding="utf-8"?>
 <p:sld xmlns:a="http://schemas.openxmlformats.org/drawingml/2006/main" xmlns:r="http://schemas.openxmlformats.org/officeDocument/2006/relationships" xmlns:p="http://schemas.openxmlformats.org/presentationml/2006/main">
   <p:cSld>
